--- a/메인PPT_국방색순대국밥.pptx
+++ b/메인PPT_국방색순대국밥.pptx
@@ -5,7 +5,7 @@
     <p:sldMasterId id="2147483648" r:id="rId1"/>
   </p:sldMasterIdLst>
   <p:notesMasterIdLst>
-    <p:notesMasterId r:id="rId17"/>
+    <p:notesMasterId r:id="rId18"/>
   </p:notesMasterIdLst>
   <p:sldIdLst>
     <p:sldId id="271" r:id="rId2"/>
@@ -21,8 +21,9 @@
     <p:sldId id="289" r:id="rId12"/>
     <p:sldId id="291" r:id="rId13"/>
     <p:sldId id="274" r:id="rId14"/>
-    <p:sldId id="286" r:id="rId15"/>
-    <p:sldId id="264" r:id="rId16"/>
+    <p:sldId id="292" r:id="rId15"/>
+    <p:sldId id="286" r:id="rId16"/>
+    <p:sldId id="264" r:id="rId17"/>
   </p:sldIdLst>
   <p:sldSz cx="12192000" cy="6858000"/>
   <p:notesSz cx="6858000" cy="9144000"/>
@@ -260,7 +261,7 @@
       <p15:sldGuideLst xmlns:p15="http://schemas.microsoft.com/office/powerpoint/2012/main"/>
     </p:ext>
     <p:ext uri="http://customooxmlschemas.google.com/">
-      <go:slidesCustomData xmlns="" xmlns:mc="http://schemas.openxmlformats.org/markup-compatibility/2006" xmlns:mv="urn:schemas-microsoft-com:mac:vml" xmlns:c="http://schemas.openxmlformats.org/drawingml/2006/chart" xmlns:dgm="http://schemas.openxmlformats.org/drawingml/2006/diagram" xmlns:o="urn:schemas-microsoft-com:office:office" xmlns:v="urn:schemas-microsoft-com:vml" xmlns:pvml="urn:schemas-microsoft-com:office:powerpoint" xmlns:com="http://schemas.openxmlformats.org/drawingml/2006/compatibility" xmlns:p14="http://schemas.microsoft.com/office/powerpoint/2010/main" xmlns:p15="http://schemas.microsoft.com/office/powerpoint/2012/main" xmlns:ahyp="http://schemas.microsoft.com/office/drawing/2018/hyperlinkcolor" xmlns:go="http://customooxmlschemas.google.com/" r:id="rId20" roundtripDataSignature="AMtx7mjmBQVKvipwYWNO9gs145RVkg/oWw=="/>
+      <go:slidesCustomData xmlns:go="http://customooxmlschemas.google.com/" xmlns:ahyp="http://schemas.microsoft.com/office/drawing/2018/hyperlinkcolor" xmlns:p15="http://schemas.microsoft.com/office/powerpoint/2012/main" xmlns:p14="http://schemas.microsoft.com/office/powerpoint/2010/main" xmlns:com="http://schemas.openxmlformats.org/drawingml/2006/compatibility" xmlns:pvml="urn:schemas-microsoft-com:office:powerpoint" xmlns:v="urn:schemas-microsoft-com:vml" xmlns:o="urn:schemas-microsoft-com:office:office" xmlns:dgm="http://schemas.openxmlformats.org/drawingml/2006/diagram" xmlns:c="http://schemas.openxmlformats.org/drawingml/2006/chart" xmlns:mv="urn:schemas-microsoft-com:mac:vml" xmlns:mc="http://schemas.openxmlformats.org/markup-compatibility/2006" xmlns="" r:id="rId20" roundtripDataSignature="AMtx7mjmBQVKvipwYWNO9gs145RVkg/oWw=="/>
     </p:ext>
   </p:extLst>
 </p:presentation>
@@ -2489,6 +2490,9 @@
           <a:bodyPr/>
           <a:lstStyle/>
           <a:p>
+            <a:pPr marL="228600" indent="0">
+              <a:buNone/>
+            </a:pPr>
             <a:endParaRPr lang="en-US" altLang="ko-KR" dirty="0"/>
           </a:p>
         </p:txBody>
@@ -2528,6 +2532,115 @@
                 <a:sym typeface="Malgun Gothic"/>
               </a:rPr>
               <a:t>14</a:t>
+            </a:fld>
+            <a:endParaRPr lang="ko-KR" altLang="en-US" sz="1200" b="0" i="0" u="none" strike="noStrike" cap="none">
+              <a:solidFill>
+                <a:schemeClr val="dk1"/>
+              </a:solidFill>
+              <a:latin typeface="Malgun Gothic"/>
+              <a:ea typeface="Malgun Gothic"/>
+              <a:cs typeface="Malgun Gothic"/>
+              <a:sym typeface="Malgun Gothic"/>
+            </a:endParaRPr>
+          </a:p>
+        </p:txBody>
+      </p:sp>
+    </p:spTree>
+    <p:extLst>
+      <p:ext uri="{BB962C8B-B14F-4D97-AF65-F5344CB8AC3E}">
+        <p14:creationId xmlns:p14="http://schemas.microsoft.com/office/powerpoint/2010/main" val="2242781330"/>
+      </p:ext>
+    </p:extLst>
+  </p:cSld>
+  <p:clrMapOvr>
+    <a:masterClrMapping/>
+  </p:clrMapOvr>
+</p:notes>
+</file>
+
+<file path=ppt/notesSlides/notesSlide15.xml><?xml version="1.0" encoding="utf-8"?>
+<p:notes xmlns:a="http://schemas.openxmlformats.org/drawingml/2006/main" xmlns:r="http://schemas.openxmlformats.org/officeDocument/2006/relationships" xmlns:p="http://schemas.openxmlformats.org/presentationml/2006/main">
+  <p:cSld>
+    <p:spTree>
+      <p:nvGrpSpPr>
+        <p:cNvPr id="1" name=""/>
+        <p:cNvGrpSpPr/>
+        <p:nvPr/>
+      </p:nvGrpSpPr>
+      <p:grpSpPr>
+        <a:xfrm>
+          <a:off x="0" y="0"/>
+          <a:ext cx="0" cy="0"/>
+          <a:chOff x="0" y="0"/>
+          <a:chExt cx="0" cy="0"/>
+        </a:xfrm>
+      </p:grpSpPr>
+      <p:sp>
+        <p:nvSpPr>
+          <p:cNvPr id="2" name="슬라이드 이미지 개체 틀 1"/>
+          <p:cNvSpPr>
+            <a:spLocks noGrp="1" noRot="1" noChangeAspect="1"/>
+          </p:cNvSpPr>
+          <p:nvPr>
+            <p:ph type="sldImg"/>
+          </p:nvPr>
+        </p:nvSpPr>
+        <p:spPr/>
+      </p:sp>
+      <p:sp>
+        <p:nvSpPr>
+          <p:cNvPr id="3" name="슬라이드 노트 개체 틀 2"/>
+          <p:cNvSpPr>
+            <a:spLocks noGrp="1"/>
+          </p:cNvSpPr>
+          <p:nvPr>
+            <p:ph type="body" idx="1"/>
+          </p:nvPr>
+        </p:nvSpPr>
+        <p:spPr/>
+        <p:txBody>
+          <a:bodyPr/>
+          <a:lstStyle/>
+          <a:p>
+            <a:endParaRPr lang="en-US" altLang="ko-KR" dirty="0"/>
+          </a:p>
+        </p:txBody>
+      </p:sp>
+      <p:sp>
+        <p:nvSpPr>
+          <p:cNvPr id="4" name="슬라이드 번호 개체 틀 3"/>
+          <p:cNvSpPr>
+            <a:spLocks noGrp="1"/>
+          </p:cNvSpPr>
+          <p:nvPr>
+            <p:ph type="sldNum" idx="12"/>
+          </p:nvPr>
+        </p:nvSpPr>
+        <p:spPr/>
+        <p:txBody>
+          <a:bodyPr/>
+          <a:lstStyle/>
+          <a:p>
+            <a:pPr marL="0" marR="0" lvl="0" indent="0" algn="r" rtl="0">
+              <a:spcBef>
+                <a:spcPts val="0"/>
+              </a:spcBef>
+              <a:spcAft>
+                <a:spcPts val="0"/>
+              </a:spcAft>
+              <a:buNone/>
+            </a:pPr>
+            <a:fld id="{00000000-1234-1234-1234-123412341234}" type="slidenum">
+              <a:rPr lang="en-US" altLang="ko-KR" sz="1200" b="0" i="0" u="none" strike="noStrike" cap="none" smtClean="0">
+                <a:solidFill>
+                  <a:schemeClr val="dk1"/>
+                </a:solidFill>
+                <a:latin typeface="Malgun Gothic"/>
+                <a:ea typeface="Malgun Gothic"/>
+                <a:cs typeface="Malgun Gothic"/>
+                <a:sym typeface="Malgun Gothic"/>
+              </a:rPr>
+              <a:t>15</a:t>
             </a:fld>
             <a:endParaRPr lang="ko-KR" altLang="en-US" sz="1200" b="0" i="0" u="none" strike="noStrike" cap="none">
               <a:solidFill>
@@ -2554,7 +2667,7 @@
 </p:notes>
 </file>
 
-<file path=ppt/notesSlides/notesSlide15.xml><?xml version="1.0" encoding="utf-8"?>
+<file path=ppt/notesSlides/notesSlide16.xml><?xml version="1.0" encoding="utf-8"?>
 <p:notes xmlns:a="http://schemas.openxmlformats.org/drawingml/2006/main" xmlns:r="http://schemas.openxmlformats.org/officeDocument/2006/relationships" xmlns:p="http://schemas.openxmlformats.org/presentationml/2006/main" showMasterSp="0" showMasterPhAnim="0">
   <p:cSld>
     <p:spTree>
@@ -18470,6 +18583,271 @@
         </p:nvSpPr>
         <p:spPr>
           <a:xfrm>
+            <a:off x="625540" y="258936"/>
+            <a:ext cx="6680034" cy="1015663"/>
+          </a:xfrm>
+          <a:prstGeom prst="rect">
+            <a:avLst/>
+          </a:prstGeom>
+          <a:noFill/>
+        </p:spPr>
+        <p:txBody>
+          <a:bodyPr wrap="none" lIns="91440" tIns="45720" rIns="91440" bIns="45720">
+            <a:spAutoFit/>
+            <a:scene3d>
+              <a:camera prst="orthographicFront"/>
+              <a:lightRig rig="harsh" dir="t"/>
+            </a:scene3d>
+            <a:sp3d extrusionH="57150" prstMaterial="matte">
+              <a:bevelT w="63500" h="12700" prst="angle"/>
+              <a:contourClr>
+                <a:schemeClr val="bg1">
+                  <a:lumMod val="65000"/>
+                </a:schemeClr>
+              </a:contourClr>
+            </a:sp3d>
+          </a:bodyPr>
+          <a:lstStyle/>
+          <a:p>
+            <a:pPr algn="ctr"/>
+            <a:r>
+              <a:rPr lang="en-US" altLang="ko-KR" sz="6000" b="1" dirty="0">
+                <a:ln/>
+                <a:solidFill>
+                  <a:schemeClr val="accent6">
+                    <a:alpha val="65000"/>
+                  </a:schemeClr>
+                </a:solidFill>
+              </a:rPr>
+              <a:t>What</a:t>
+            </a:r>
+            <a:r>
+              <a:rPr lang="ko-KR" altLang="en-US" sz="6000" b="1" dirty="0">
+                <a:ln/>
+                <a:solidFill>
+                  <a:schemeClr val="accent6">
+                    <a:alpha val="65000"/>
+                  </a:schemeClr>
+                </a:solidFill>
+              </a:rPr>
+              <a:t> </a:t>
+            </a:r>
+            <a:r>
+              <a:rPr lang="en-US" altLang="ko-KR" sz="6000" b="1" dirty="0">
+                <a:ln/>
+                <a:solidFill>
+                  <a:schemeClr val="accent6">
+                    <a:alpha val="65000"/>
+                  </a:schemeClr>
+                </a:solidFill>
+              </a:rPr>
+              <a:t>is</a:t>
+            </a:r>
+            <a:r>
+              <a:rPr lang="ko-KR" altLang="en-US" sz="6000" b="1" dirty="0">
+                <a:ln/>
+                <a:solidFill>
+                  <a:schemeClr val="accent6">
+                    <a:alpha val="65000"/>
+                  </a:schemeClr>
+                </a:solidFill>
+              </a:rPr>
+              <a:t> </a:t>
+            </a:r>
+            <a:r>
+              <a:rPr lang="en-US" altLang="ko-KR" sz="6000" b="1" dirty="0">
+                <a:ln/>
+                <a:solidFill>
+                  <a:schemeClr val="accent6">
+                    <a:alpha val="65000"/>
+                  </a:schemeClr>
+                </a:solidFill>
+              </a:rPr>
+              <a:t>different?</a:t>
+            </a:r>
+            <a:endParaRPr lang="en-US" altLang="ko-KR" sz="6000" b="1" cap="none" spc="0" dirty="0">
+              <a:ln/>
+              <a:solidFill>
+                <a:schemeClr val="accent6">
+                  <a:alpha val="65000"/>
+                </a:schemeClr>
+              </a:solidFill>
+              <a:effectLst/>
+            </a:endParaRPr>
+          </a:p>
+        </p:txBody>
+      </p:sp>
+      <p:sp>
+        <p:nvSpPr>
+          <p:cNvPr id="9" name="직사각형 8">
+            <a:extLst>
+              <a:ext uri="{FF2B5EF4-FFF2-40B4-BE49-F238E27FC236}">
+                <a16:creationId xmlns:a16="http://schemas.microsoft.com/office/drawing/2014/main" id="{044699A1-63BF-417D-B982-07827F370D43}"/>
+              </a:ext>
+            </a:extLst>
+          </p:cNvPr>
+          <p:cNvSpPr/>
+          <p:nvPr/>
+        </p:nvSpPr>
+        <p:spPr>
+          <a:xfrm>
+            <a:off x="1457760" y="1852046"/>
+            <a:ext cx="6399509" cy="1107996"/>
+          </a:xfrm>
+          <a:prstGeom prst="rect">
+            <a:avLst/>
+          </a:prstGeom>
+          <a:noFill/>
+        </p:spPr>
+        <p:txBody>
+          <a:bodyPr wrap="none" lIns="91440" tIns="45720" rIns="91440" bIns="45720">
+            <a:spAutoFit/>
+          </a:bodyPr>
+          <a:lstStyle/>
+          <a:p>
+            <a:pPr algn="ctr"/>
+            <a:r>
+              <a:rPr lang="en-US" altLang="ko-KR" sz="6600" b="1" dirty="0">
+                <a:ln w="13462">
+                  <a:solidFill>
+                    <a:schemeClr val="bg1"/>
+                  </a:solidFill>
+                  <a:prstDash val="solid"/>
+                </a:ln>
+                <a:solidFill>
+                  <a:schemeClr val="tx1">
+                    <a:lumMod val="85000"/>
+                    <a:lumOff val="15000"/>
+                  </a:schemeClr>
+                </a:solidFill>
+                <a:effectLst>
+                  <a:outerShdw dist="38100" dir="2700000" algn="bl" rotWithShape="0">
+                    <a:schemeClr val="accent5"/>
+                  </a:outerShdw>
+                </a:effectLst>
+              </a:rPr>
+              <a:t>1. The Diet Man</a:t>
+            </a:r>
+            <a:endParaRPr lang="en-US" altLang="ko-KR" sz="6600" b="1" cap="none" spc="0" dirty="0">
+              <a:ln w="13462">
+                <a:solidFill>
+                  <a:schemeClr val="bg1"/>
+                </a:solidFill>
+                <a:prstDash val="solid"/>
+              </a:ln>
+              <a:solidFill>
+                <a:schemeClr val="tx1">
+                  <a:lumMod val="85000"/>
+                  <a:lumOff val="15000"/>
+                </a:schemeClr>
+              </a:solidFill>
+              <a:effectLst>
+                <a:outerShdw dist="38100" dir="2700000" algn="bl" rotWithShape="0">
+                  <a:schemeClr val="accent5"/>
+                </a:outerShdw>
+              </a:effectLst>
+            </a:endParaRPr>
+          </a:p>
+        </p:txBody>
+      </p:sp>
+      <p:sp>
+        <p:nvSpPr>
+          <p:cNvPr id="10" name="직사각형 9">
+            <a:extLst>
+              <a:ext uri="{FF2B5EF4-FFF2-40B4-BE49-F238E27FC236}">
+                <a16:creationId xmlns:a16="http://schemas.microsoft.com/office/drawing/2014/main" id="{F0AE5CBB-384F-4D7C-89FF-151E68397742}"/>
+              </a:ext>
+            </a:extLst>
+          </p:cNvPr>
+          <p:cNvSpPr/>
+          <p:nvPr/>
+        </p:nvSpPr>
+        <p:spPr>
+          <a:xfrm>
+            <a:off x="1457760" y="3671557"/>
+            <a:ext cx="9318577" cy="1107996"/>
+          </a:xfrm>
+          <a:prstGeom prst="rect">
+            <a:avLst/>
+          </a:prstGeom>
+          <a:noFill/>
+        </p:spPr>
+        <p:txBody>
+          <a:bodyPr wrap="none" lIns="91440" tIns="45720" rIns="91440" bIns="45720">
+            <a:spAutoFit/>
+          </a:bodyPr>
+          <a:lstStyle/>
+          <a:p>
+            <a:pPr algn="ctr"/>
+            <a:r>
+              <a:rPr lang="en-US" altLang="ko-KR" sz="6600" b="1" cap="none" spc="0" dirty="0">
+                <a:ln w="13462">
+                  <a:solidFill>
+                    <a:schemeClr val="bg1"/>
+                  </a:solidFill>
+                  <a:prstDash val="solid"/>
+                </a:ln>
+                <a:solidFill>
+                  <a:schemeClr val="tx1">
+                    <a:lumMod val="85000"/>
+                    <a:lumOff val="15000"/>
+                  </a:schemeClr>
+                </a:solidFill>
+                <a:effectLst>
+                  <a:outerShdw dist="38100" dir="2700000" algn="bl" rotWithShape="0">
+                    <a:schemeClr val="accent5"/>
+                  </a:outerShdw>
+                </a:effectLst>
+              </a:rPr>
+              <a:t>2. Alternative proposal</a:t>
+            </a:r>
+          </a:p>
+        </p:txBody>
+      </p:sp>
+    </p:spTree>
+    <p:extLst>
+      <p:ext uri="{BB962C8B-B14F-4D97-AF65-F5344CB8AC3E}">
+        <p14:creationId xmlns:p14="http://schemas.microsoft.com/office/powerpoint/2010/main" val="3372844397"/>
+      </p:ext>
+    </p:extLst>
+  </p:cSld>
+  <p:clrMapOvr>
+    <a:masterClrMapping/>
+  </p:clrMapOvr>
+</p:sld>
+</file>
+
+<file path=ppt/slides/slide15.xml><?xml version="1.0" encoding="utf-8"?>
+<p:sld xmlns:a="http://schemas.openxmlformats.org/drawingml/2006/main" xmlns:r="http://schemas.openxmlformats.org/officeDocument/2006/relationships" xmlns:p="http://schemas.openxmlformats.org/presentationml/2006/main">
+  <p:cSld>
+    <p:spTree>
+      <p:nvGrpSpPr>
+        <p:cNvPr id="1" name=""/>
+        <p:cNvGrpSpPr/>
+        <p:nvPr/>
+      </p:nvGrpSpPr>
+      <p:grpSpPr>
+        <a:xfrm>
+          <a:off x="0" y="0"/>
+          <a:ext cx="0" cy="0"/>
+          <a:chOff x="0" y="0"/>
+          <a:chExt cx="0" cy="0"/>
+        </a:xfrm>
+      </p:grpSpPr>
+      <p:sp>
+        <p:nvSpPr>
+          <p:cNvPr id="7" name="직사각형 6">
+            <a:extLst>
+              <a:ext uri="{FF2B5EF4-FFF2-40B4-BE49-F238E27FC236}">
+                <a16:creationId xmlns:a16="http://schemas.microsoft.com/office/drawing/2014/main" id="{B91439EA-2234-4F22-B595-86152B9B12C0}"/>
+              </a:ext>
+            </a:extLst>
+          </p:cNvPr>
+          <p:cNvSpPr/>
+          <p:nvPr/>
+        </p:nvSpPr>
+        <p:spPr>
+          <a:xfrm>
             <a:off x="2446603" y="2042220"/>
             <a:ext cx="7298794" cy="1569660"/>
           </a:xfrm>
@@ -18523,7 +18901,7 @@
 </p:sld>
 </file>
 
-<file path=ppt/slides/slide15.xml><?xml version="1.0" encoding="utf-8"?>
+<file path=ppt/slides/slide16.xml><?xml version="1.0" encoding="utf-8"?>
 <p:sld xmlns:a="http://schemas.openxmlformats.org/drawingml/2006/main" xmlns:r="http://schemas.openxmlformats.org/officeDocument/2006/relationships" xmlns:p="http://schemas.openxmlformats.org/presentationml/2006/main">
   <p:cSld>
     <p:spTree>
